--- a/Letrinhas 0.pptx
+++ b/Letrinhas 0.pptx
@@ -11,7 +11,7 @@
     <p:sldId id="262" r:id="rId5"/>
     <p:sldId id="263" r:id="rId6"/>
     <p:sldId id="259" r:id="rId7"/>
-    <p:sldId id="264" r:id="rId8"/>
+    <p:sldId id="268" r:id="rId8"/>
     <p:sldId id="265" r:id="rId9"/>
     <p:sldId id="260" r:id="rId10"/>
     <p:sldId id="266" r:id="rId11"/>
@@ -325,7 +325,7 @@
             <a:fld id="{C7C07E6F-C202-45DB-B271-3691A96DB90B}" type="datetimeFigureOut">
               <a:rPr lang="pt-PT" smtClean="0"/>
               <a:pPr/>
-              <a:t>27/03/2014</a:t>
+              <a:t>28/03/2014</a:t>
             </a:fld>
             <a:endParaRPr lang="pt-PT"/>
           </a:p>
@@ -521,7 +521,7 @@
             <a:fld id="{C7C07E6F-C202-45DB-B271-3691A96DB90B}" type="datetimeFigureOut">
               <a:rPr lang="pt-PT" smtClean="0"/>
               <a:pPr/>
-              <a:t>27/03/2014</a:t>
+              <a:t>28/03/2014</a:t>
             </a:fld>
             <a:endParaRPr lang="pt-PT"/>
           </a:p>
@@ -711,7 +711,7 @@
             <a:fld id="{C7C07E6F-C202-45DB-B271-3691A96DB90B}" type="datetimeFigureOut">
               <a:rPr lang="pt-PT" smtClean="0"/>
               <a:pPr/>
-              <a:t>27/03/2014</a:t>
+              <a:t>28/03/2014</a:t>
             </a:fld>
             <a:endParaRPr lang="pt-PT"/>
           </a:p>
@@ -942,7 +942,7 @@
             <a:fld id="{C7C07E6F-C202-45DB-B271-3691A96DB90B}" type="datetimeFigureOut">
               <a:rPr lang="pt-PT" smtClean="0"/>
               <a:pPr/>
-              <a:t>27/03/2014</a:t>
+              <a:t>28/03/2014</a:t>
             </a:fld>
             <a:endParaRPr lang="pt-PT"/>
           </a:p>
@@ -1225,7 +1225,7 @@
             <a:fld id="{C7C07E6F-C202-45DB-B271-3691A96DB90B}" type="datetimeFigureOut">
               <a:rPr lang="pt-PT" smtClean="0"/>
               <a:pPr/>
-              <a:t>27/03/2014</a:t>
+              <a:t>28/03/2014</a:t>
             </a:fld>
             <a:endParaRPr lang="pt-PT"/>
           </a:p>
@@ -1515,7 +1515,7 @@
             <a:fld id="{C7C07E6F-C202-45DB-B271-3691A96DB90B}" type="datetimeFigureOut">
               <a:rPr lang="pt-PT" smtClean="0"/>
               <a:pPr/>
-              <a:t>27/03/2014</a:t>
+              <a:t>28/03/2014</a:t>
             </a:fld>
             <a:endParaRPr lang="pt-PT"/>
           </a:p>
@@ -2071,7 +2071,7 @@
             <a:fld id="{C7C07E6F-C202-45DB-B271-3691A96DB90B}" type="datetimeFigureOut">
               <a:rPr lang="pt-PT" smtClean="0"/>
               <a:pPr/>
-              <a:t>27/03/2014</a:t>
+              <a:t>28/03/2014</a:t>
             </a:fld>
             <a:endParaRPr lang="pt-PT"/>
           </a:p>
@@ -2204,7 +2204,7 @@
             <a:fld id="{C7C07E6F-C202-45DB-B271-3691A96DB90B}" type="datetimeFigureOut">
               <a:rPr lang="pt-PT" smtClean="0"/>
               <a:pPr/>
-              <a:t>27/03/2014</a:t>
+              <a:t>28/03/2014</a:t>
             </a:fld>
             <a:endParaRPr lang="pt-PT"/>
           </a:p>
@@ -2356,7 +2356,7 @@
             <a:fld id="{C7C07E6F-C202-45DB-B271-3691A96DB90B}" type="datetimeFigureOut">
               <a:rPr lang="pt-PT" smtClean="0"/>
               <a:pPr/>
-              <a:t>27/03/2014</a:t>
+              <a:t>28/03/2014</a:t>
             </a:fld>
             <a:endParaRPr lang="pt-PT"/>
           </a:p>
@@ -2679,7 +2679,7 @@
             <a:fld id="{C7C07E6F-C202-45DB-B271-3691A96DB90B}" type="datetimeFigureOut">
               <a:rPr lang="pt-PT" smtClean="0"/>
               <a:pPr/>
-              <a:t>27/03/2014</a:t>
+              <a:t>28/03/2014</a:t>
             </a:fld>
             <a:endParaRPr lang="pt-PT"/>
           </a:p>
@@ -2978,7 +2978,7 @@
             <a:fld id="{C7C07E6F-C202-45DB-B271-3691A96DB90B}" type="datetimeFigureOut">
               <a:rPr lang="pt-PT" smtClean="0"/>
               <a:pPr/>
-              <a:t>27/03/2014</a:t>
+              <a:t>28/03/2014</a:t>
             </a:fld>
             <a:endParaRPr lang="pt-PT"/>
           </a:p>
@@ -3225,7 +3225,7 @@
             <a:fld id="{C7C07E6F-C202-45DB-B271-3691A96DB90B}" type="datetimeFigureOut">
               <a:rPr lang="pt-PT" smtClean="0"/>
               <a:pPr/>
-              <a:t>27/03/2014</a:t>
+              <a:t>28/03/2014</a:t>
             </a:fld>
             <a:endParaRPr lang="pt-PT"/>
           </a:p>
@@ -3777,37 +3777,20 @@
             <a:pPr algn="r"/>
             <a:r>
               <a:rPr lang="pt-PT" sz="1800" dirty="0" smtClean="0"/>
-              <a:t>Diogo Neto </a:t>
-            </a:r>
+              <a:t>Diogo Neto 17652</a:t>
+            </a:r>
+          </a:p>
+          <a:p>
+            <a:pPr algn="r"/>
             <a:r>
               <a:rPr lang="pt-PT" sz="1800" dirty="0" smtClean="0"/>
-              <a:t>17652</a:t>
-            </a:r>
-            <a:endParaRPr lang="pt-PT" sz="1800" dirty="0" smtClean="0"/>
-          </a:p>
-          <a:p>
-            <a:pPr algn="r"/>
+              <a:t>Luis Amendoeira 17332</a:t>
+            </a:r>
+          </a:p>
+          <a:p>
             <a:r>
               <a:rPr lang="pt-PT" sz="1800" dirty="0" smtClean="0"/>
-              <a:t>Luis Amendoeira </a:t>
-            </a:r>
-            <a:r>
-              <a:rPr lang="pt-PT" sz="1800" dirty="0" smtClean="0"/>
-              <a:t>17332</a:t>
-            </a:r>
-          </a:p>
-          <a:p>
-            <a:r>
-              <a:rPr lang="pt-PT" sz="1800" dirty="0" smtClean="0"/>
-              <a:t>Thiago Fernandes </a:t>
-            </a:r>
-            <a:r>
-              <a:rPr lang="pt-PT" sz="1800" dirty="0" smtClean="0"/>
-              <a:t> </a:t>
-            </a:r>
-            <a:r>
-              <a:rPr lang="pt-PT" sz="1800" dirty="0" smtClean="0"/>
-              <a:t>?????</a:t>
+              <a:t>Thiago Fernandes  ?????</a:t>
             </a:r>
           </a:p>
           <a:p>
@@ -3826,38 +3809,21 @@
               </a:rPr>
               <a:t>17104 </a:t>
             </a:r>
-            <a:endParaRPr lang="pt-PT" sz="1800" dirty="0" smtClean="0">
-              <a:solidFill>
-                <a:schemeClr val="accent5">
-                  <a:lumMod val="20000"/>
-                  <a:lumOff val="80000"/>
-                </a:schemeClr>
-              </a:solidFill>
-            </a:endParaRPr>
           </a:p>
           <a:p>
             <a:pPr algn="r"/>
             <a:r>
               <a:rPr lang="pt-PT" sz="1800" dirty="0" smtClean="0"/>
-              <a:t>Jorge Martins </a:t>
-            </a:r>
+              <a:t>Jorge Martins 13683</a:t>
+            </a:r>
+            <a:endParaRPr lang="pt-PT" sz="1800" dirty="0"/>
+          </a:p>
+          <a:p>
+            <a:pPr algn="r"/>
             <a:r>
               <a:rPr lang="pt-PT" sz="1800" dirty="0" smtClean="0"/>
-              <a:t>13683</a:t>
-            </a:r>
-            <a:endParaRPr lang="pt-PT" sz="1800" dirty="0"/>
-          </a:p>
-          <a:p>
-            <a:pPr algn="r"/>
-            <a:r>
-              <a:rPr lang="pt-PT" sz="1800" dirty="0" smtClean="0"/>
-              <a:t>Rafael Costa </a:t>
-            </a:r>
-            <a:r>
-              <a:rPr lang="pt-PT" sz="1800" dirty="0" smtClean="0"/>
-              <a:t>13696</a:t>
-            </a:r>
-            <a:endParaRPr lang="pt-PT" sz="1800" dirty="0" smtClean="0"/>
+              <a:t>Rafael Costa 13696</a:t>
+            </a:r>
           </a:p>
         </p:txBody>
       </p:sp>
@@ -3924,19 +3890,7 @@
             </a:pPr>
             <a:r>
               <a:rPr lang="pt-PT" sz="2400" dirty="0" smtClean="0"/>
-              <a:t>F</a:t>
-            </a:r>
-            <a:r>
-              <a:rPr lang="pt-PT" sz="2400" dirty="0" smtClean="0"/>
-              <a:t>icheiro </a:t>
-            </a:r>
-            <a:r>
-              <a:rPr lang="pt-PT" sz="2400" dirty="0" smtClean="0"/>
-              <a:t>padrao para a declaraçao de strings (Resources</a:t>
-            </a:r>
-            <a:r>
-              <a:rPr lang="pt-PT" sz="2400" dirty="0" smtClean="0"/>
-              <a:t>):</a:t>
+              <a:t>Ficheiro padrao para a declaraçao de strings (Resources):</a:t>
             </a:r>
           </a:p>
           <a:p>
@@ -3951,7 +3905,6 @@
               <a:rPr lang="pt-PT" dirty="0" smtClean="0"/>
               <a:t>	res/values/strings.xml</a:t>
             </a:r>
-            <a:endParaRPr lang="pt-PT" dirty="0" smtClean="0"/>
           </a:p>
           <a:p>
             <a:r>
@@ -3975,11 +3928,7 @@
           <a:p>
             <a:r>
               <a:rPr lang="pt-PT" sz="2400" dirty="0" smtClean="0"/>
-              <a:t>exemplo: </a:t>
-            </a:r>
-            <a:r>
-              <a:rPr lang="pt-PT" sz="2400" dirty="0" smtClean="0"/>
-              <a:t>Ingles</a:t>
+              <a:t>exemplo: Ingles</a:t>
             </a:r>
           </a:p>
           <a:p>
@@ -3997,15 +3946,7 @@
           <a:p>
             <a:r>
               <a:rPr lang="pt-PT" dirty="0" smtClean="0"/>
-              <a:t>La estarão </a:t>
-            </a:r>
-            <a:r>
-              <a:rPr lang="pt-PT" dirty="0" smtClean="0"/>
-              <a:t>todos os recursos na lingua inglesa (strings traduzidas</a:t>
-            </a:r>
-            <a:r>
-              <a:rPr lang="pt-PT" dirty="0" smtClean="0"/>
-              <a:t>)</a:t>
+              <a:t>La estarão todos os recursos na lingua inglesa (strings traduzidas)</a:t>
             </a:r>
             <a:endParaRPr lang="pt-PT" dirty="0"/>
           </a:p>
@@ -4131,15 +4072,25 @@
           <a:p>
             <a:r>
               <a:rPr lang="pt-PT" sz="3000" dirty="0" smtClean="0"/>
-              <a:t> </a:t>
-            </a:r>
+              <a:t> Qual a versão do Android a desenvolver?</a:t>
+            </a:r>
+          </a:p>
+          <a:p>
+            <a:endParaRPr lang="pt-PT" sz="3000" dirty="0" smtClean="0"/>
+          </a:p>
+          <a:p>
             <a:r>
               <a:rPr lang="pt-PT" sz="3000" dirty="0" smtClean="0"/>
-              <a:t>Qual a versão do Android a desenvolver</a:t>
-            </a:r>
+              <a:t>A aplicação admite rotação do ecrã? (depende da versão)</a:t>
+            </a:r>
+          </a:p>
+          <a:p>
+            <a:endParaRPr lang="pt-PT" sz="3000" dirty="0" smtClean="0"/>
+          </a:p>
+          <a:p>
             <a:r>
               <a:rPr lang="pt-PT" sz="3000" dirty="0" smtClean="0"/>
-              <a:t>?</a:t>
+              <a:t>Um Tablet vai ser partilhado, entre turmas e/ou escolas?</a:t>
             </a:r>
           </a:p>
           <a:p>
@@ -4148,62 +4099,16 @@
           <a:p>
             <a:r>
               <a:rPr lang="pt-PT" sz="3000" dirty="0" smtClean="0"/>
-              <a:t>A </a:t>
-            </a:r>
+              <a:t>É possível ao aluno reiniciar o próprio teste? Ou essa tarefa cabe apenas ao docente?</a:t>
+            </a:r>
+          </a:p>
+          <a:p>
+            <a:endParaRPr lang="pt-PT" sz="3000" dirty="0" smtClean="0"/>
+          </a:p>
+          <a:p>
             <a:r>
               <a:rPr lang="pt-PT" sz="3000" dirty="0" smtClean="0"/>
-              <a:t>aplicação admite rotação do ecrã? (depende da versão</a:t>
-            </a:r>
-            <a:r>
-              <a:rPr lang="pt-PT" sz="3000" dirty="0" smtClean="0"/>
-              <a:t>)</a:t>
-            </a:r>
-          </a:p>
-          <a:p>
-            <a:endParaRPr lang="pt-PT" sz="3000" dirty="0" smtClean="0"/>
-          </a:p>
-          <a:p>
-            <a:r>
-              <a:rPr lang="pt-PT" sz="3000" dirty="0" smtClean="0"/>
-              <a:t>Um </a:t>
-            </a:r>
-            <a:r>
-              <a:rPr lang="pt-PT" sz="3000" dirty="0" smtClean="0"/>
-              <a:t>Tablet vai ser partilhado, entre turmas e/ou escolas</a:t>
-            </a:r>
-            <a:r>
-              <a:rPr lang="pt-PT" sz="3000" dirty="0" smtClean="0"/>
-              <a:t>?</a:t>
-            </a:r>
-          </a:p>
-          <a:p>
-            <a:endParaRPr lang="pt-PT" sz="3000" dirty="0" smtClean="0"/>
-          </a:p>
-          <a:p>
-            <a:r>
-              <a:rPr lang="pt-PT" sz="3000" dirty="0" smtClean="0"/>
-              <a:t>É </a:t>
-            </a:r>
-            <a:r>
-              <a:rPr lang="pt-PT" sz="3000" dirty="0" smtClean="0"/>
-              <a:t>possível ao aluno reiniciar o próprio teste? Ou essa tarefa cabe apenas ao docente</a:t>
-            </a:r>
-            <a:r>
-              <a:rPr lang="pt-PT" sz="3000" dirty="0" smtClean="0"/>
-              <a:t>?</a:t>
-            </a:r>
-          </a:p>
-          <a:p>
-            <a:endParaRPr lang="pt-PT" sz="3000" dirty="0" smtClean="0"/>
-          </a:p>
-          <a:p>
-            <a:r>
-              <a:rPr lang="pt-PT" sz="3000" dirty="0" smtClean="0"/>
-              <a:t>Tamanho </a:t>
-            </a:r>
-            <a:r>
-              <a:rPr lang="pt-PT" sz="3000" dirty="0" smtClean="0"/>
-              <a:t>alvo do ecrã do equipamento, ex: 5’, 7’, 10’, etc..</a:t>
+              <a:t>Tamanho alvo do ecrã do equipamento, ex: 5’, 7’, 10’, etc..</a:t>
             </a:r>
             <a:endParaRPr lang="pt-PT" sz="3000" dirty="0"/>
           </a:p>
@@ -4319,35 +4224,7 @@
                           <a:ea typeface="+mn-ea"/>
                           <a:cs typeface="+mn-cs"/>
                         </a:rPr>
-                        <a:t>Trabalhar </a:t>
-                      </a:r>
-                      <a:r>
-                        <a:rPr lang="pt-PT" sz="2400" b="0" i="0" kern="1200" dirty="0" smtClean="0">
-                          <a:solidFill>
-                            <a:schemeClr val="bg1">
-                              <a:lumMod val="85000"/>
-                              <a:lumOff val="15000"/>
-                            </a:schemeClr>
-                          </a:solidFill>
-                          <a:latin typeface="+mn-lt"/>
-                          <a:ea typeface="+mn-ea"/>
-                          <a:cs typeface="+mn-cs"/>
-                        </a:rPr>
-                        <a:t>com vários projetos e/ou workspaces </a:t>
-                      </a:r>
-                      <a:r>
-                        <a:rPr lang="pt-PT" sz="2400" b="0" i="0" kern="1200" dirty="0" smtClean="0">
-                          <a:solidFill>
-                            <a:schemeClr val="bg1">
-                              <a:lumMod val="85000"/>
-                              <a:lumOff val="15000"/>
-                            </a:schemeClr>
-                          </a:solidFill>
-                          <a:latin typeface="+mn-lt"/>
-                          <a:ea typeface="+mn-ea"/>
-                          <a:cs typeface="+mn-cs"/>
-                        </a:rPr>
-                        <a:t>na</a:t>
+                        <a:t>Trabalhar com vários projetos e/ou workspaces na</a:t>
                       </a:r>
                       <a:r>
                         <a:rPr lang="pt-PT" sz="2400" b="0" i="0" kern="1200" baseline="0" dirty="0" smtClean="0">
@@ -5134,11 +5011,7 @@
           <a:p>
             <a:r>
               <a:rPr lang="pt-PT" sz="2000" dirty="0" smtClean="0"/>
-              <a:t>MediaRecorder recorder = new MediaRecorder</a:t>
-            </a:r>
-            <a:r>
-              <a:rPr lang="pt-PT" sz="2000" dirty="0" smtClean="0"/>
-              <a:t>();</a:t>
+              <a:t>MediaRecorder recorder = new MediaRecorder();</a:t>
             </a:r>
           </a:p>
           <a:p>
@@ -5192,16 +5065,11 @@
               <a:rPr lang="pt-PT" sz="2000" dirty="0" smtClean="0"/>
               <a:t> </a:t>
             </a:r>
-            <a:endParaRPr lang="pt-PT" sz="2000" dirty="0" smtClean="0"/>
           </a:p>
           <a:p>
             <a:r>
               <a:rPr lang="pt-PT" sz="2000" dirty="0" smtClean="0"/>
-              <a:t>recorder.setAudioEncoder(MediaRecorder.AudioEncoder.AMR_NB</a:t>
-            </a:r>
-            <a:r>
-              <a:rPr lang="pt-PT" sz="2000" dirty="0" smtClean="0"/>
-              <a:t>); </a:t>
+              <a:t>recorder.setAudioEncoder(MediaRecorder.AudioEncoder.AMR_NB); </a:t>
             </a:r>
           </a:p>
           <a:p>
@@ -5451,15 +5319,7 @@
           <a:p>
             <a:r>
               <a:rPr lang="pt-PT" sz="2000" dirty="0" smtClean="0"/>
-              <a:t>Reproduzir</a:t>
-            </a:r>
-            <a:r>
-              <a:rPr lang="pt-PT" sz="2000" dirty="0" smtClean="0"/>
-              <a:t> </a:t>
-            </a:r>
-            <a:r>
-              <a:rPr lang="pt-PT" sz="2000" dirty="0" smtClean="0"/>
-              <a:t>voz</a:t>
+              <a:t>Reproduzir voz</a:t>
             </a:r>
           </a:p>
         </p:txBody>
@@ -5498,7 +5358,7 @@
       </p:grpSpPr>
       <p:pic>
         <p:nvPicPr>
-          <p:cNvPr id="2050" name="Picture 2" descr="C:\Users\DiogoNetoConceição\estt\PSI\ApresentaçãoApp0.1\mediarecorder_state_diagram.gif"/>
+          <p:cNvPr id="1026" name="Picture 2" descr="C:\Users\DiogoNetoConceição\estt\PSI\ApresentaçãoApp0.1\mediaplayer_state_diagram.gif"/>
           <p:cNvPicPr>
             <a:picLocks noChangeAspect="1" noChangeArrowheads="1"/>
           </p:cNvPicPr>
@@ -5601,11 +5461,7 @@
           <a:p>
             <a:r>
               <a:rPr lang="pt-PT" sz="2000" dirty="0" smtClean="0"/>
-              <a:t>private MediaPlayer myPlayer = new MediaPlayer</a:t>
-            </a:r>
-            <a:r>
-              <a:rPr lang="pt-PT" sz="2000" dirty="0" smtClean="0"/>
-              <a:t>();</a:t>
+              <a:t>private MediaPlayer myPlayer = new MediaPlayer();</a:t>
             </a:r>
           </a:p>
           <a:p>
@@ -5618,38 +5474,13 @@
                   <a:schemeClr val="accent3"/>
                 </a:solidFill>
               </a:rPr>
-              <a:t>//</a:t>
-            </a:r>
-            <a:r>
-              <a:rPr lang="pt-PT" sz="2000" dirty="0" smtClean="0">
-                <a:solidFill>
-                  <a:schemeClr val="accent3"/>
-                </a:solidFill>
-              </a:rPr>
-              <a:t>Path do ficheiro a ser </a:t>
-            </a:r>
-            <a:r>
-              <a:rPr lang="pt-PT" sz="2000" dirty="0" smtClean="0">
-                <a:solidFill>
-                  <a:schemeClr val="accent3"/>
-                </a:solidFill>
-              </a:rPr>
-              <a:t>reproduzido</a:t>
-            </a:r>
-            <a:endParaRPr lang="pt-PT" sz="2000" dirty="0" smtClean="0">
-              <a:solidFill>
-                <a:schemeClr val="accent3"/>
-              </a:solidFill>
-            </a:endParaRPr>
+              <a:t>//Path do ficheiro a ser reproduzido</a:t>
+            </a:r>
           </a:p>
           <a:p>
             <a:r>
               <a:rPr lang="pt-PT" sz="2000" dirty="0" smtClean="0"/>
-              <a:t> </a:t>
-            </a:r>
-            <a:r>
-              <a:rPr lang="pt-PT" sz="2000" dirty="0" smtClean="0"/>
-              <a:t>myPlayer.setDataSource(PATH_NAME); </a:t>
+              <a:t> myPlayer.setDataSource(PATH_NAME); </a:t>
             </a:r>
           </a:p>
           <a:p>

--- a/Letrinhas 0.pptx
+++ b/Letrinhas 0.pptx
@@ -325,7 +325,7 @@
             <a:fld id="{C7C07E6F-C202-45DB-B271-3691A96DB90B}" type="datetimeFigureOut">
               <a:rPr lang="pt-PT" smtClean="0"/>
               <a:pPr/>
-              <a:t>28/03/2014</a:t>
+              <a:t>28-03-2014</a:t>
             </a:fld>
             <a:endParaRPr lang="pt-PT"/>
           </a:p>
@@ -365,7 +365,7 @@
             <a:fld id="{E72D8762-0048-4463-BB55-DBEE29A1CDAB}" type="slidenum">
               <a:rPr lang="pt-PT" smtClean="0"/>
               <a:pPr/>
-              <a:t>‹#›</a:t>
+              <a:t>‹nº›</a:t>
             </a:fld>
             <a:endParaRPr lang="pt-PT"/>
           </a:p>
@@ -521,7 +521,7 @@
             <a:fld id="{C7C07E6F-C202-45DB-B271-3691A96DB90B}" type="datetimeFigureOut">
               <a:rPr lang="pt-PT" smtClean="0"/>
               <a:pPr/>
-              <a:t>28/03/2014</a:t>
+              <a:t>28-03-2014</a:t>
             </a:fld>
             <a:endParaRPr lang="pt-PT"/>
           </a:p>
@@ -568,7 +568,7 @@
             <a:fld id="{E72D8762-0048-4463-BB55-DBEE29A1CDAB}" type="slidenum">
               <a:rPr lang="pt-PT" smtClean="0"/>
               <a:pPr/>
-              <a:t>‹#›</a:t>
+              <a:t>‹nº›</a:t>
             </a:fld>
             <a:endParaRPr lang="pt-PT"/>
           </a:p>
@@ -711,7 +711,7 @@
             <a:fld id="{C7C07E6F-C202-45DB-B271-3691A96DB90B}" type="datetimeFigureOut">
               <a:rPr lang="pt-PT" smtClean="0"/>
               <a:pPr/>
-              <a:t>28/03/2014</a:t>
+              <a:t>28-03-2014</a:t>
             </a:fld>
             <a:endParaRPr lang="pt-PT"/>
           </a:p>
@@ -758,7 +758,7 @@
             <a:fld id="{E72D8762-0048-4463-BB55-DBEE29A1CDAB}" type="slidenum">
               <a:rPr lang="pt-PT" smtClean="0"/>
               <a:pPr/>
-              <a:t>‹#›</a:t>
+              <a:t>‹nº›</a:t>
             </a:fld>
             <a:endParaRPr lang="pt-PT"/>
           </a:p>
@@ -942,7 +942,7 @@
             <a:fld id="{C7C07E6F-C202-45DB-B271-3691A96DB90B}" type="datetimeFigureOut">
               <a:rPr lang="pt-PT" smtClean="0"/>
               <a:pPr/>
-              <a:t>28/03/2014</a:t>
+              <a:t>28-03-2014</a:t>
             </a:fld>
             <a:endParaRPr lang="pt-PT"/>
           </a:p>
@@ -989,7 +989,7 @@
             <a:fld id="{E72D8762-0048-4463-BB55-DBEE29A1CDAB}" type="slidenum">
               <a:rPr lang="pt-PT" smtClean="0"/>
               <a:pPr/>
-              <a:t>‹#›</a:t>
+              <a:t>‹nº›</a:t>
             </a:fld>
             <a:endParaRPr lang="pt-PT"/>
           </a:p>
@@ -1225,7 +1225,7 @@
             <a:fld id="{C7C07E6F-C202-45DB-B271-3691A96DB90B}" type="datetimeFigureOut">
               <a:rPr lang="pt-PT" smtClean="0"/>
               <a:pPr/>
-              <a:t>28/03/2014</a:t>
+              <a:t>28-03-2014</a:t>
             </a:fld>
             <a:endParaRPr lang="pt-PT"/>
           </a:p>
@@ -1265,7 +1265,7 @@
             <a:fld id="{E72D8762-0048-4463-BB55-DBEE29A1CDAB}" type="slidenum">
               <a:rPr lang="pt-PT" smtClean="0"/>
               <a:pPr/>
-              <a:t>‹#›</a:t>
+              <a:t>‹nº›</a:t>
             </a:fld>
             <a:endParaRPr lang="pt-PT"/>
           </a:p>
@@ -1515,7 +1515,7 @@
             <a:fld id="{C7C07E6F-C202-45DB-B271-3691A96DB90B}" type="datetimeFigureOut">
               <a:rPr lang="pt-PT" smtClean="0"/>
               <a:pPr/>
-              <a:t>28/03/2014</a:t>
+              <a:t>28-03-2014</a:t>
             </a:fld>
             <a:endParaRPr lang="pt-PT"/>
           </a:p>
@@ -1567,7 +1567,7 @@
             <a:fld id="{E72D8762-0048-4463-BB55-DBEE29A1CDAB}" type="slidenum">
               <a:rPr lang="pt-PT" smtClean="0"/>
               <a:pPr/>
-              <a:t>‹#›</a:t>
+              <a:t>‹nº›</a:t>
             </a:fld>
             <a:endParaRPr lang="pt-PT"/>
           </a:p>
@@ -2071,7 +2071,7 @@
             <a:fld id="{C7C07E6F-C202-45DB-B271-3691A96DB90B}" type="datetimeFigureOut">
               <a:rPr lang="pt-PT" smtClean="0"/>
               <a:pPr/>
-              <a:t>28/03/2014</a:t>
+              <a:t>28-03-2014</a:t>
             </a:fld>
             <a:endParaRPr lang="pt-PT"/>
           </a:p>
@@ -2123,7 +2123,7 @@
             <a:fld id="{E72D8762-0048-4463-BB55-DBEE29A1CDAB}" type="slidenum">
               <a:rPr lang="pt-PT" smtClean="0"/>
               <a:pPr/>
-              <a:t>‹#›</a:t>
+              <a:t>‹nº›</a:t>
             </a:fld>
             <a:endParaRPr lang="pt-PT"/>
           </a:p>
@@ -2204,7 +2204,7 @@
             <a:fld id="{C7C07E6F-C202-45DB-B271-3691A96DB90B}" type="datetimeFigureOut">
               <a:rPr lang="pt-PT" smtClean="0"/>
               <a:pPr/>
-              <a:t>28/03/2014</a:t>
+              <a:t>28-03-2014</a:t>
             </a:fld>
             <a:endParaRPr lang="pt-PT"/>
           </a:p>
@@ -2251,7 +2251,7 @@
             <a:fld id="{E72D8762-0048-4463-BB55-DBEE29A1CDAB}" type="slidenum">
               <a:rPr lang="pt-PT" smtClean="0"/>
               <a:pPr/>
-              <a:t>‹#›</a:t>
+              <a:t>‹nº›</a:t>
             </a:fld>
             <a:endParaRPr lang="pt-PT"/>
           </a:p>
@@ -2356,7 +2356,7 @@
             <a:fld id="{C7C07E6F-C202-45DB-B271-3691A96DB90B}" type="datetimeFigureOut">
               <a:rPr lang="pt-PT" smtClean="0"/>
               <a:pPr/>
-              <a:t>28/03/2014</a:t>
+              <a:t>28-03-2014</a:t>
             </a:fld>
             <a:endParaRPr lang="pt-PT"/>
           </a:p>
@@ -2403,7 +2403,7 @@
             <a:fld id="{E72D8762-0048-4463-BB55-DBEE29A1CDAB}" type="slidenum">
               <a:rPr lang="pt-PT" smtClean="0"/>
               <a:pPr/>
-              <a:t>‹#›</a:t>
+              <a:t>‹nº›</a:t>
             </a:fld>
             <a:endParaRPr lang="pt-PT"/>
           </a:p>
@@ -2679,7 +2679,7 @@
             <a:fld id="{C7C07E6F-C202-45DB-B271-3691A96DB90B}" type="datetimeFigureOut">
               <a:rPr lang="pt-PT" smtClean="0"/>
               <a:pPr/>
-              <a:t>28/03/2014</a:t>
+              <a:t>28-03-2014</a:t>
             </a:fld>
             <a:endParaRPr lang="pt-PT"/>
           </a:p>
@@ -2719,7 +2719,7 @@
             <a:fld id="{E72D8762-0048-4463-BB55-DBEE29A1CDAB}" type="slidenum">
               <a:rPr lang="pt-PT" smtClean="0"/>
               <a:pPr/>
-              <a:t>‹#›</a:t>
+              <a:t>‹nº›</a:t>
             </a:fld>
             <a:endParaRPr lang="pt-PT"/>
           </a:p>
@@ -2978,7 +2978,7 @@
             <a:fld id="{C7C07E6F-C202-45DB-B271-3691A96DB90B}" type="datetimeFigureOut">
               <a:rPr lang="pt-PT" smtClean="0"/>
               <a:pPr/>
-              <a:t>28/03/2014</a:t>
+              <a:t>28-03-2014</a:t>
             </a:fld>
             <a:endParaRPr lang="pt-PT"/>
           </a:p>
@@ -3018,7 +3018,7 @@
             <a:fld id="{E72D8762-0048-4463-BB55-DBEE29A1CDAB}" type="slidenum">
               <a:rPr lang="pt-PT" smtClean="0"/>
               <a:pPr/>
-              <a:t>‹#›</a:t>
+              <a:t>‹nº›</a:t>
             </a:fld>
             <a:endParaRPr lang="pt-PT"/>
           </a:p>
@@ -3225,7 +3225,7 @@
             <a:fld id="{C7C07E6F-C202-45DB-B271-3691A96DB90B}" type="datetimeFigureOut">
               <a:rPr lang="pt-PT" smtClean="0"/>
               <a:pPr/>
-              <a:t>28/03/2014</a:t>
+              <a:t>28-03-2014</a:t>
             </a:fld>
             <a:endParaRPr lang="pt-PT"/>
           </a:p>
@@ -3269,7 +3269,7 @@
             <a:fld id="{E72D8762-0048-4463-BB55-DBEE29A1CDAB}" type="slidenum">
               <a:rPr lang="pt-PT" smtClean="0"/>
               <a:pPr/>
-              <a:t>‹#›</a:t>
+              <a:t>‹nº›</a:t>
             </a:fld>
             <a:endParaRPr lang="pt-PT"/>
           </a:p>
@@ -3790,8 +3790,13 @@
           <a:p>
             <a:r>
               <a:rPr lang="pt-PT" sz="1800" dirty="0" smtClean="0"/>
-              <a:t>Thiago Fernandes  ?????</a:t>
-            </a:r>
+              <a:t>Thiago Fernandes  </a:t>
+            </a:r>
+            <a:r>
+              <a:rPr lang="pt-PT" sz="1800" dirty="0" smtClean="0"/>
+              <a:t>17253</a:t>
+            </a:r>
+            <a:endParaRPr lang="pt-PT" sz="1800" dirty="0" smtClean="0"/>
           </a:p>
           <a:p>
             <a:r>
